--- a/Presentation1.pptx
+++ b/Presentation1.pptx
@@ -125,8 +125,8 @@
       <pc:docMk xmlns:pc="http://schemas.microsoft.com/office/powerpoint/2013/main/command"/>
       <pc:sldMk xmlns:pc="http://schemas.microsoft.com/office/powerpoint/2013/main/command" cId="113160512" sldId="257"/>
       <ac:spMk id="28" creationId="{C9F2D9C4-6F79-3FBB-6DBE-2D377FFB65A1}"/>
-      <ac:txMk cp="86" len="9">
-        <ac:context len="619" hash="3916249054"/>
+      <ac:txMk cp="535" len="20">
+        <ac:context len="1020" hash="917761360"/>
       </ac:txMk>
     </ac:txMkLst>
     <p188:pos x="9787455" y="5368251"/>
@@ -147,7 +147,7 @@
       <pc:sldMk xmlns:pc="http://schemas.microsoft.com/office/powerpoint/2013/main/command" cId="113160512" sldId="257"/>
       <ac:spMk id="42" creationId="{B8CE6231-E18C-ADBD-B0F4-B606EC156488}"/>
       <ac:txMk cp="1" len="12">
-        <ac:context len="468" hash="426613053"/>
+        <ac:context len="493" hash="816835029"/>
       </ac:txMk>
     </ac:txMkLst>
     <p188:pos x="9656223" y="417396"/>
@@ -310,6 +310,57 @@
         <a:r>
           <a:rPr lang="en-US"/>
           <a:t>Statement of end game - build empirical model to predict similarly to process model.</a:t>
+        </a:r>
+      </a:p>
+    </p188:txBody>
+  </p188:cm>
+  <p188:cm id="{33F857F0-CFFF-4CDA-9DBB-1760D6BF17F2}" authorId="{7178A9D5-51E2-C06F-71FA-5A786CC1B6C9}" created="2024-01-29T19:43:23.126">
+    <ac:deMkLst xmlns:ac="http://schemas.microsoft.com/office/drawing/2013/main/command">
+      <pc:docMk xmlns:pc="http://schemas.microsoft.com/office/powerpoint/2013/main/command"/>
+      <pc:sldMk xmlns:pc="http://schemas.microsoft.com/office/powerpoint/2013/main/command" cId="113160512" sldId="257"/>
+      <ac:spMk id="42" creationId="{B8CE6231-E18C-ADBD-B0F4-B606EC156488}"/>
+    </ac:deMkLst>
+    <p188:txBody>
+      <a:bodyPr/>
+      <a:lstStyle/>
+      <a:p>
+        <a:r>
+          <a:rPr lang="en-US"/>
+          <a:t>Check sparrow refrence for exact terminology used here</a:t>
+        </a:r>
+      </a:p>
+    </p188:txBody>
+  </p188:cm>
+  <p188:cm id="{3020B803-B128-429B-A8A4-538025931590}" authorId="{7178A9D5-51E2-C06F-71FA-5A786CC1B6C9}" created="2024-01-29T20:25:59.314">
+    <ac:deMkLst xmlns:ac="http://schemas.microsoft.com/office/drawing/2013/main/command">
+      <pc:docMk xmlns:pc="http://schemas.microsoft.com/office/powerpoint/2013/main/command"/>
+      <pc:sldMk xmlns:pc="http://schemas.microsoft.com/office/powerpoint/2013/main/command" cId="113160512" sldId="257"/>
+      <ac:picMk id="55" creationId="{7C748824-AF38-946E-30EC-DEC5C4CA83D2}"/>
+    </ac:deMkLst>
+    <p188:txBody>
+      <a:bodyPr/>
+      <a:lstStyle/>
+      <a:p>
+        <a:r>
+          <a:rPr lang="en-US"/>
+          <a:t>Look at univariate plots</a:t>
+        </a:r>
+      </a:p>
+    </p188:txBody>
+  </p188:cm>
+  <p188:cm id="{1CE5D756-0B31-4E8B-B80C-CCB4F24B5FB5}" authorId="{7178A9D5-51E2-C06F-71FA-5A786CC1B6C9}" created="2024-01-29T20:31:42.267">
+    <ac:deMkLst xmlns:ac="http://schemas.microsoft.com/office/drawing/2013/main/command">
+      <pc:docMk xmlns:pc="http://schemas.microsoft.com/office/powerpoint/2013/main/command"/>
+      <pc:sldMk xmlns:pc="http://schemas.microsoft.com/office/powerpoint/2013/main/command" cId="113160512" sldId="257"/>
+      <ac:spMk id="13" creationId="{4CA79BFC-C380-590A-E881-7350AB1FE3BA}"/>
+    </ac:deMkLst>
+    <p188:txBody>
+      <a:bodyPr/>
+      <a:lstStyle/>
+      <a:p>
+        <a:r>
+          <a:rPr lang="en-US"/>
+          <a:t>Make takaways bold</a:t>
         </a:r>
       </a:p>
     </p188:txBody>
@@ -1152,7 +1203,7 @@
         <a:p>
           <a:r>
             <a:rPr lang="en-US" dirty="0"/>
-            <a:t>Analysis to Explore Variability in C-Q Relationships as a Function of Watershed Characteristics</a:t>
+            <a:t>Analysis to test H1 and H2</a:t>
           </a:r>
         </a:p>
       </dgm:t>
@@ -1267,7 +1318,7 @@
       </dsp:nvSpPr>
       <dsp:spPr>
         <a:xfrm>
-          <a:off x="4281" y="778938"/>
+          <a:off x="4281" y="553264"/>
           <a:ext cx="5215794" cy="2086317"/>
         </a:xfrm>
         <a:prstGeom prst="chevron">
@@ -1310,12 +1361,12 @@
         </a:fontRef>
       </dsp:style>
       <dsp:txBody>
-        <a:bodyPr spcFirstLastPara="0" vert="horz" wrap="square" lIns="100013" tIns="33338" rIns="33338" bIns="33338" numCol="1" spcCol="1270" anchor="ctr" anchorCtr="0">
+        <a:bodyPr spcFirstLastPara="0" vert="horz" wrap="square" lIns="116015" tIns="38672" rIns="38672" bIns="38672" numCol="1" spcCol="1270" anchor="ctr" anchorCtr="0">
           <a:noAutofit/>
         </a:bodyPr>
         <a:lstStyle/>
         <a:p>
-          <a:pPr marL="0" lvl="0" indent="0" algn="ctr" defTabSz="1111250">
+          <a:pPr marL="0" lvl="0" indent="0" algn="ctr" defTabSz="1289050">
             <a:lnSpc>
               <a:spcPct val="90000"/>
             </a:lnSpc>
@@ -1328,13 +1379,13 @@
             <a:buNone/>
           </a:pPr>
           <a:r>
-            <a:rPr lang="en-US" sz="2500" kern="1200" dirty="0"/>
+            <a:rPr lang="en-US" sz="2900" kern="1200" dirty="0"/>
             <a:t>USGS NWIS Database Query for Sample Locations (Sites) in NYS</a:t>
           </a:r>
         </a:p>
       </dsp:txBody>
       <dsp:txXfrm>
-        <a:off x="1047440" y="778938"/>
+        <a:off x="1047440" y="553264"/>
         <a:ext cx="3129477" cy="2086317"/>
       </dsp:txXfrm>
     </dsp:sp>
@@ -1345,7 +1396,7 @@
       </dsp:nvSpPr>
       <dsp:spPr>
         <a:xfrm>
-          <a:off x="4698495" y="778938"/>
+          <a:off x="4698495" y="553264"/>
           <a:ext cx="5215794" cy="2086317"/>
         </a:xfrm>
         <a:prstGeom prst="chevron">
@@ -1388,12 +1439,12 @@
         </a:fontRef>
       </dsp:style>
       <dsp:txBody>
-        <a:bodyPr spcFirstLastPara="0" vert="horz" wrap="square" lIns="100013" tIns="33338" rIns="33338" bIns="33338" numCol="1" spcCol="1270" anchor="ctr" anchorCtr="0">
+        <a:bodyPr spcFirstLastPara="0" vert="horz" wrap="square" lIns="116015" tIns="38672" rIns="38672" bIns="38672" numCol="1" spcCol="1270" anchor="ctr" anchorCtr="0">
           <a:noAutofit/>
         </a:bodyPr>
         <a:lstStyle/>
         <a:p>
-          <a:pPr marL="0" lvl="0" indent="0" algn="ctr" defTabSz="1111250">
+          <a:pPr marL="0" lvl="0" indent="0" algn="ctr" defTabSz="1289050">
             <a:lnSpc>
               <a:spcPct val="90000"/>
             </a:lnSpc>
@@ -1406,13 +1457,13 @@
             <a:buNone/>
           </a:pPr>
           <a:r>
-            <a:rPr lang="en-US" sz="2500" kern="1200" dirty="0"/>
+            <a:rPr lang="en-US" sz="2900" kern="1200" dirty="0"/>
             <a:t>Filter List of Sites for Data Requirements</a:t>
           </a:r>
         </a:p>
       </dsp:txBody>
       <dsp:txXfrm>
-        <a:off x="5741654" y="778938"/>
+        <a:off x="5741654" y="553264"/>
         <a:ext cx="3129477" cy="2086317"/>
       </dsp:txXfrm>
     </dsp:sp>
@@ -1423,7 +1474,7 @@
       </dsp:nvSpPr>
       <dsp:spPr>
         <a:xfrm>
-          <a:off x="9392710" y="778938"/>
+          <a:off x="9392710" y="553264"/>
           <a:ext cx="5215794" cy="2086317"/>
         </a:xfrm>
         <a:prstGeom prst="chevron">
@@ -1466,12 +1517,12 @@
         </a:fontRef>
       </dsp:style>
       <dsp:txBody>
-        <a:bodyPr spcFirstLastPara="0" vert="horz" wrap="square" lIns="100013" tIns="33338" rIns="33338" bIns="33338" numCol="1" spcCol="1270" anchor="ctr" anchorCtr="0">
+        <a:bodyPr spcFirstLastPara="0" vert="horz" wrap="square" lIns="116015" tIns="38672" rIns="38672" bIns="38672" numCol="1" spcCol="1270" anchor="ctr" anchorCtr="0">
           <a:noAutofit/>
         </a:bodyPr>
         <a:lstStyle/>
         <a:p>
-          <a:pPr marL="0" lvl="0" indent="0" algn="ctr" defTabSz="1111250">
+          <a:pPr marL="0" lvl="0" indent="0" algn="ctr" defTabSz="1289050">
             <a:lnSpc>
               <a:spcPct val="90000"/>
             </a:lnSpc>
@@ -1484,13 +1535,13 @@
             <a:buNone/>
           </a:pPr>
           <a:r>
-            <a:rPr lang="en-US" sz="2500" kern="1200" dirty="0"/>
-            <a:t>Analysis to Explore Variability in C-Q Relationships as a Function of Watershed Characteristics</a:t>
+            <a:rPr lang="en-US" sz="2900" kern="1200" dirty="0"/>
+            <a:t>Analysis to test H1 and H2</a:t>
           </a:r>
         </a:p>
       </dsp:txBody>
       <dsp:txXfrm>
-        <a:off x="10435869" y="778938"/>
+        <a:off x="10435869" y="553264"/>
         <a:ext cx="3129477" cy="2086317"/>
       </dsp:txXfrm>
     </dsp:sp>
@@ -2946,7 +2997,7 @@
           <a:p>
             <a:fld id="{5ABAAEDD-3F1B-4E17-B35A-90B44B580B89}" type="datetimeFigureOut">
               <a:rPr lang="en-US" smtClean="0"/>
-              <a:t>1/25/2024</a:t>
+              <a:t>1/26/2024</a:t>
             </a:fld>
             <a:endParaRPr lang="en-US"/>
           </a:p>
@@ -3116,7 +3167,7 @@
           <a:p>
             <a:fld id="{5ABAAEDD-3F1B-4E17-B35A-90B44B580B89}" type="datetimeFigureOut">
               <a:rPr lang="en-US" smtClean="0"/>
-              <a:t>1/25/2024</a:t>
+              <a:t>1/26/2024</a:t>
             </a:fld>
             <a:endParaRPr lang="en-US"/>
           </a:p>
@@ -3296,7 +3347,7 @@
           <a:p>
             <a:fld id="{5ABAAEDD-3F1B-4E17-B35A-90B44B580B89}" type="datetimeFigureOut">
               <a:rPr lang="en-US" smtClean="0"/>
-              <a:t>1/25/2024</a:t>
+              <a:t>1/26/2024</a:t>
             </a:fld>
             <a:endParaRPr lang="en-US"/>
           </a:p>
@@ -3466,7 +3517,7 @@
           <a:p>
             <a:fld id="{5ABAAEDD-3F1B-4E17-B35A-90B44B580B89}" type="datetimeFigureOut">
               <a:rPr lang="en-US" smtClean="0"/>
-              <a:t>1/25/2024</a:t>
+              <a:t>1/26/2024</a:t>
             </a:fld>
             <a:endParaRPr lang="en-US"/>
           </a:p>
@@ -3710,7 +3761,7 @@
           <a:p>
             <a:fld id="{5ABAAEDD-3F1B-4E17-B35A-90B44B580B89}" type="datetimeFigureOut">
               <a:rPr lang="en-US" smtClean="0"/>
-              <a:t>1/25/2024</a:t>
+              <a:t>1/26/2024</a:t>
             </a:fld>
             <a:endParaRPr lang="en-US"/>
           </a:p>
@@ -3942,7 +3993,7 @@
           <a:p>
             <a:fld id="{5ABAAEDD-3F1B-4E17-B35A-90B44B580B89}" type="datetimeFigureOut">
               <a:rPr lang="en-US" smtClean="0"/>
-              <a:t>1/25/2024</a:t>
+              <a:t>1/26/2024</a:t>
             </a:fld>
             <a:endParaRPr lang="en-US"/>
           </a:p>
@@ -4309,7 +4360,7 @@
           <a:p>
             <a:fld id="{5ABAAEDD-3F1B-4E17-B35A-90B44B580B89}" type="datetimeFigureOut">
               <a:rPr lang="en-US" smtClean="0"/>
-              <a:t>1/25/2024</a:t>
+              <a:t>1/26/2024</a:t>
             </a:fld>
             <a:endParaRPr lang="en-US"/>
           </a:p>
@@ -4427,7 +4478,7 @@
           <a:p>
             <a:fld id="{5ABAAEDD-3F1B-4E17-B35A-90B44B580B89}" type="datetimeFigureOut">
               <a:rPr lang="en-US" smtClean="0"/>
-              <a:t>1/25/2024</a:t>
+              <a:t>1/26/2024</a:t>
             </a:fld>
             <a:endParaRPr lang="en-US"/>
           </a:p>
@@ -4522,7 +4573,7 @@
           <a:p>
             <a:fld id="{5ABAAEDD-3F1B-4E17-B35A-90B44B580B89}" type="datetimeFigureOut">
               <a:rPr lang="en-US" smtClean="0"/>
-              <a:t>1/25/2024</a:t>
+              <a:t>1/26/2024</a:t>
             </a:fld>
             <a:endParaRPr lang="en-US"/>
           </a:p>
@@ -4799,7 +4850,7 @@
           <a:p>
             <a:fld id="{5ABAAEDD-3F1B-4E17-B35A-90B44B580B89}" type="datetimeFigureOut">
               <a:rPr lang="en-US" smtClean="0"/>
-              <a:t>1/25/2024</a:t>
+              <a:t>1/26/2024</a:t>
             </a:fld>
             <a:endParaRPr lang="en-US"/>
           </a:p>
@@ -5056,7 +5107,7 @@
           <a:p>
             <a:fld id="{5ABAAEDD-3F1B-4E17-B35A-90B44B580B89}" type="datetimeFigureOut">
               <a:rPr lang="en-US" smtClean="0"/>
-              <a:t>1/25/2024</a:t>
+              <a:t>1/26/2024</a:t>
             </a:fld>
             <a:endParaRPr lang="en-US"/>
           </a:p>
@@ -5269,7 +5320,7 @@
           <a:p>
             <a:fld id="{5ABAAEDD-3F1B-4E17-B35A-90B44B580B89}" type="datetimeFigureOut">
               <a:rPr lang="en-US" smtClean="0"/>
-              <a:t>1/25/2024</a:t>
+              <a:t>1/26/2024</a:t>
             </a:fld>
             <a:endParaRPr lang="en-US"/>
           </a:p>
@@ -5764,7 +5815,7 @@
             </a:pPr>
             <a:r>
               <a:rPr lang="en-US" sz="2800" dirty="0"/>
-              <a:t>Phosphorus (P) and Nitrogen (N) are key nutrients that play a pivotal role in governing primary productivity in freshwater systems. As anthropogenic activities continue to alter global P and N cycles, it becomes imperative to explore the relationship between nutrient concentrations in rivers and discharge</a:t>
+              <a:t>Phosphorus (P) and Nitrogen (N) are key nutrients that play a pivotal role in governing primary productivity in freshwater systems. As anthropogenic activities continue to alter global P and N cycles, it becomes imperative to explore the relationship between nutrient concentrations in rivers and discharge.</a:t>
             </a:r>
           </a:p>
           <a:p>
@@ -5778,7 +5829,7 @@
             </a:pPr>
             <a:r>
               <a:rPr lang="en-US" sz="2800" dirty="0"/>
-              <a:t>This dependency of nutrient concentrations on discharge – often referred to as a C-Q relationship or CQ curve - provides insight into watersheds-scale controls on nutrient export. The shape of the CQ relationship is often considered to be influenced by watershed characteristics such as land use, soils, and topography. The relationship between C and Q is often conceptualized by empirical models, where the intercept and slope represent essential descriptors of the relationship</a:t>
+              <a:t>This dependency of nutrient concentrations on discharge – often referred to as a C-Q relationship or CQ curve - provides insight into watersheds-scale controls on nutrient export. The shape of the CQ relationship is often considered to be influenced by watershed characteristics such as land use, soils, and topography. The relationship between C and Q is often conceptualized by empirical models, where the intercept and slope represent essential descriptors of the relationship.</a:t>
             </a:r>
           </a:p>
         </p:txBody>
@@ -6074,8 +6125,8 @@
         </p:nvSpPr>
         <p:spPr>
           <a:xfrm>
-            <a:off x="14687382" y="28748351"/>
-            <a:ext cx="14486656" cy="3957398"/>
+            <a:off x="14688853" y="28756773"/>
+            <a:ext cx="14552645" cy="3957398"/>
           </a:xfrm>
           <a:prstGeom prst="rect">
             <a:avLst/>
@@ -6254,12 +6305,19 @@
               <a:spcBef>
                 <a:spcPts val="1200"/>
               </a:spcBef>
-              <a:buFont typeface="Arial" panose="020B0604020202020204" pitchFamily="34" charset="0"/>
               <a:buNone/>
             </a:pPr>
             <a:r>
               <a:rPr lang="en-US" sz="2800" dirty="0"/>
-              <a:t>Figure 2 – C-Q curves for TP. Sites in each row represent similar major land uses – Row 1 is undeveloped (i.e. mostly forested), row 2 is Urban/mixed land use, and row 3 is Agricultural. The smaller of the two watersheds for the similar major land use are in column 1 and the larger of the two watersheds are in column 2. The smaller watersheds have stronger mobilization (indicated by higher slope values) and their point clouds are higher along the y-axis (indicating higher concentrations on average). The smaller sites have similar discharge as the larger sites because we normalized discharge by the drainage area size. When trying to explain the variability in the C-Q relationship parameters, site characteristics other than land use, soils, and slope (e.g. watershed size, hydrologic impoundments, and wastewater treatment plants) may wish to be examined as well.</a:t>
+              <a:t>Figure 3 – 6 CQ relationships for TP – three pairs of differing major land use (rows) for one small (left column) and one large (right column) site. </a:t>
+            </a:r>
+            <a:r>
+              <a:rPr lang="en-US" sz="2800" b="1" dirty="0"/>
+              <a:t>For these sites, land use does not fully define the CQ relationship (H1)</a:t>
+            </a:r>
+            <a:r>
+              <a:rPr lang="en-US" sz="2800" dirty="0"/>
+              <a:t>. When trying to explain the variability in the CQ relationship parameters, site characteristics other than land use (e.g. watershed size, hydrologic impoundments, and wastewater treatment plants) need to be examined as well. For instance, the smaller watersheds (column 1) have stronger mobilization (indicated by higher slope values) relative to larger watersheds with similar land use (column 2), and their point clouds are higher along the y-axis (indicating higher concentrations on average). The smaller sites have similar discharge as the larger sites because we normalized discharge by the drainage area size. </a:t>
             </a:r>
           </a:p>
         </p:txBody>
@@ -6465,7 +6523,7 @@
             </a:pPr>
             <a:r>
               <a:rPr lang="en-US" sz="2800" dirty="0"/>
-              <a:t>Figure 2 – Map of watersheds for the sampling sites used in this study. The dots show the outlet (flow gauging station and nutrient sampling location) for each site and the polygons show the sites watershed boundary. The dots and polygons are colored according to the SRP export regime. Refer to Figure 1 for explanation of the different export regimes and Table 1 for the definition and justification of analyzing SRP.</a:t>
+              <a:t>Figure 2 – Map of watersheds and sampling locations for this study. The symbols show the location where stream discharge measurement and nutrient concentration sampling occurred for each study site and the polygons depict the associated watershed boundary. The symbols and polygons are colored to indicate the phosphorus export regime of the study site. Refer to Figure 1 for explanation of the different export regimes and Table 1 for the definition and justification of analyzing SRP.</a:t>
             </a:r>
           </a:p>
         </p:txBody>
@@ -6793,8 +6851,8 @@
         </p:nvSpPr>
         <p:spPr>
           <a:xfrm>
-            <a:off x="29370357" y="14527650"/>
-            <a:ext cx="14538469" cy="1320549"/>
+            <a:off x="29280506" y="14527650"/>
+            <a:ext cx="14538470" cy="1649546"/>
           </a:xfrm>
           <a:prstGeom prst="rect">
             <a:avLst/>
@@ -6978,7 +7036,15 @@
             </a:pPr>
             <a:r>
               <a:rPr lang="en-US" sz="2800" dirty="0"/>
-              <a:t>Figure 3 – CQ slope magnitude (normalized to between 0 and 1) as a function of disturbance in the watershed. The sites shown in Figure 3 are labeled. There is a lack of a clear trend in the strength and grouping of C-Q export regimes as a function of disturbance (H2)</a:t>
+              <a:t>Figure 4 – Analysis of CQ export regime as dependent on disturbance in the watershed. </a:t>
+            </a:r>
+            <a:r>
+              <a:rPr lang="en-US" sz="2800" b="1" dirty="0"/>
+              <a:t>Disturbance appears to have little influence on the strength and grouping of CQ export regimes (H2)</a:t>
+            </a:r>
+            <a:r>
+              <a:rPr lang="en-US" sz="2800" dirty="0"/>
+              <a:t>. The color of the symbols indicates the magnitude of the CQ slope (normalized to between 0 and 1) and the sites shown in Figure 3 are labeled. </a:t>
             </a:r>
           </a:p>
         </p:txBody>
@@ -7469,8 +7535,8 @@
         </p:nvSpPr>
         <p:spPr>
           <a:xfrm>
-            <a:off x="29161430" y="26622098"/>
-            <a:ext cx="14605259" cy="4094479"/>
+            <a:off x="29303720" y="27080172"/>
+            <a:ext cx="14446252" cy="7260207"/>
           </a:xfrm>
           <a:prstGeom prst="rect">
             <a:avLst/>
@@ -7654,7 +7720,7 @@
             </a:pPr>
             <a:r>
               <a:rPr lang="en-US" sz="4800" dirty="0"/>
-              <a:t>5) Conclusions and Future Directions</a:t>
+              <a:t>5) Conclusions, Future Directions, and Acknowledgments</a:t>
             </a:r>
             <a:endParaRPr lang="en-US" sz="2800" dirty="0"/>
           </a:p>
@@ -7666,7 +7732,7 @@
             </a:pPr>
             <a:r>
               <a:rPr lang="en-US" sz="2800" dirty="0"/>
-              <a:t>We aim to included more sites by replicating the GAGES II database predictors using open-source data layers. We can use the GAGES II database as QC for our data layer derived values before extending the workflow to non-GAGES II sites. We also wish to include predictors not in GAGES II, e.g. hydrography limb, wastewater treatment plants, and antecedent moisture conditions. This will allow us to account for the within-site variability and better highlight the between site variability</a:t>
+              <a:t>There were differing outcomes depending on the analyte. H1: land use associated with anthropogenic disturbance contributed to higher nutrient export for N and P species (Table 2).  H2: the relationship between export regime and disturbance was complex (Figure 4).</a:t>
             </a:r>
           </a:p>
           <a:p>
@@ -7677,226 +7743,19 @@
             </a:pPr>
             <a:r>
               <a:rPr lang="en-US" sz="2800" dirty="0"/>
-              <a:t>The goal of this work is to develop an empirical model to predict processed based model output</a:t>
-            </a:r>
-          </a:p>
-        </p:txBody>
-      </p:sp>
-      <p:sp>
-        <p:nvSpPr>
-          <p:cNvPr id="29" name="Content Placeholder 2">
-            <a:extLst>
-              <a:ext uri="{FF2B5EF4-FFF2-40B4-BE49-F238E27FC236}">
-                <a16:creationId xmlns:a16="http://schemas.microsoft.com/office/drawing/2014/main" id="{207F7D7C-0FB3-7B14-5A79-2A29F5C31E57}"/>
-              </a:ext>
-            </a:extLst>
-          </p:cNvPr>
-          <p:cNvSpPr txBox="1">
-            <a:spLocks/>
-          </p:cNvSpPr>
-          <p:nvPr/>
-        </p:nvSpPr>
-        <p:spPr>
-          <a:xfrm>
-            <a:off x="29285941" y="31090237"/>
-            <a:ext cx="14520843" cy="1959803"/>
-          </a:xfrm>
-          <a:prstGeom prst="rect">
-            <a:avLst/>
-          </a:prstGeom>
-        </p:spPr>
-        <p:txBody>
-          <a:bodyPr vert="horz" lIns="91440" tIns="45720" rIns="91440" bIns="45720" rtlCol="0">
-            <a:normAutofit/>
-          </a:bodyPr>
-          <a:lstStyle>
-            <a:lvl1pPr marL="1097280" indent="-1097280" algn="l" defTabSz="4389120" rtl="0" eaLnBrk="1" latinLnBrk="0" hangingPunct="1">
-              <a:lnSpc>
-                <a:spcPct val="90000"/>
-              </a:lnSpc>
-              <a:spcBef>
-                <a:spcPts val="4800"/>
-              </a:spcBef>
-              <a:buFont typeface="Arial" panose="020B0604020202020204" pitchFamily="34" charset="0"/>
-              <a:buChar char="•"/>
-              <a:defRPr sz="13440" kern="1200">
-                <a:solidFill>
-                  <a:schemeClr val="tx1"/>
-                </a:solidFill>
-                <a:latin typeface="+mn-lt"/>
-                <a:ea typeface="+mn-ea"/>
-                <a:cs typeface="+mn-cs"/>
-              </a:defRPr>
-            </a:lvl1pPr>
-            <a:lvl2pPr marL="3291840" indent="-1097280" algn="l" defTabSz="4389120" rtl="0" eaLnBrk="1" latinLnBrk="0" hangingPunct="1">
-              <a:lnSpc>
-                <a:spcPct val="90000"/>
-              </a:lnSpc>
-              <a:spcBef>
-                <a:spcPts val="2400"/>
-              </a:spcBef>
-              <a:buFont typeface="Arial" panose="020B0604020202020204" pitchFamily="34" charset="0"/>
-              <a:buChar char="•"/>
-              <a:defRPr sz="11520" kern="1200">
-                <a:solidFill>
-                  <a:schemeClr val="tx1"/>
-                </a:solidFill>
-                <a:latin typeface="+mn-lt"/>
-                <a:ea typeface="+mn-ea"/>
-                <a:cs typeface="+mn-cs"/>
-              </a:defRPr>
-            </a:lvl2pPr>
-            <a:lvl3pPr marL="5486400" indent="-1097280" algn="l" defTabSz="4389120" rtl="0" eaLnBrk="1" latinLnBrk="0" hangingPunct="1">
-              <a:lnSpc>
-                <a:spcPct val="90000"/>
-              </a:lnSpc>
-              <a:spcBef>
-                <a:spcPts val="2400"/>
-              </a:spcBef>
-              <a:buFont typeface="Arial" panose="020B0604020202020204" pitchFamily="34" charset="0"/>
-              <a:buChar char="•"/>
-              <a:defRPr sz="9600" kern="1200">
-                <a:solidFill>
-                  <a:schemeClr val="tx1"/>
-                </a:solidFill>
-                <a:latin typeface="+mn-lt"/>
-                <a:ea typeface="+mn-ea"/>
-                <a:cs typeface="+mn-cs"/>
-              </a:defRPr>
-            </a:lvl3pPr>
-            <a:lvl4pPr marL="7680960" indent="-1097280" algn="l" defTabSz="4389120" rtl="0" eaLnBrk="1" latinLnBrk="0" hangingPunct="1">
-              <a:lnSpc>
-                <a:spcPct val="90000"/>
-              </a:lnSpc>
-              <a:spcBef>
-                <a:spcPts val="2400"/>
-              </a:spcBef>
-              <a:buFont typeface="Arial" panose="020B0604020202020204" pitchFamily="34" charset="0"/>
-              <a:buChar char="•"/>
-              <a:defRPr sz="8640" kern="1200">
-                <a:solidFill>
-                  <a:schemeClr val="tx1"/>
-                </a:solidFill>
-                <a:latin typeface="+mn-lt"/>
-                <a:ea typeface="+mn-ea"/>
-                <a:cs typeface="+mn-cs"/>
-              </a:defRPr>
-            </a:lvl4pPr>
-            <a:lvl5pPr marL="9875520" indent="-1097280" algn="l" defTabSz="4389120" rtl="0" eaLnBrk="1" latinLnBrk="0" hangingPunct="1">
-              <a:lnSpc>
-                <a:spcPct val="90000"/>
-              </a:lnSpc>
-              <a:spcBef>
-                <a:spcPts val="2400"/>
-              </a:spcBef>
-              <a:buFont typeface="Arial" panose="020B0604020202020204" pitchFamily="34" charset="0"/>
-              <a:buChar char="•"/>
-              <a:defRPr sz="8640" kern="1200">
-                <a:solidFill>
-                  <a:schemeClr val="tx1"/>
-                </a:solidFill>
-                <a:latin typeface="+mn-lt"/>
-                <a:ea typeface="+mn-ea"/>
-                <a:cs typeface="+mn-cs"/>
-              </a:defRPr>
-            </a:lvl5pPr>
-            <a:lvl6pPr marL="12070080" indent="-1097280" algn="l" defTabSz="4389120" rtl="0" eaLnBrk="1" latinLnBrk="0" hangingPunct="1">
-              <a:lnSpc>
-                <a:spcPct val="90000"/>
-              </a:lnSpc>
-              <a:spcBef>
-                <a:spcPts val="2400"/>
-              </a:spcBef>
-              <a:buFont typeface="Arial" panose="020B0604020202020204" pitchFamily="34" charset="0"/>
-              <a:buChar char="•"/>
-              <a:defRPr sz="8640" kern="1200">
-                <a:solidFill>
-                  <a:schemeClr val="tx1"/>
-                </a:solidFill>
-                <a:latin typeface="+mn-lt"/>
-                <a:ea typeface="+mn-ea"/>
-                <a:cs typeface="+mn-cs"/>
-              </a:defRPr>
-            </a:lvl6pPr>
-            <a:lvl7pPr marL="14264640" indent="-1097280" algn="l" defTabSz="4389120" rtl="0" eaLnBrk="1" latinLnBrk="0" hangingPunct="1">
-              <a:lnSpc>
-                <a:spcPct val="90000"/>
-              </a:lnSpc>
-              <a:spcBef>
-                <a:spcPts val="2400"/>
-              </a:spcBef>
-              <a:buFont typeface="Arial" panose="020B0604020202020204" pitchFamily="34" charset="0"/>
-              <a:buChar char="•"/>
-              <a:defRPr sz="8640" kern="1200">
-                <a:solidFill>
-                  <a:schemeClr val="tx1"/>
-                </a:solidFill>
-                <a:latin typeface="+mn-lt"/>
-                <a:ea typeface="+mn-ea"/>
-                <a:cs typeface="+mn-cs"/>
-              </a:defRPr>
-            </a:lvl7pPr>
-            <a:lvl8pPr marL="16459200" indent="-1097280" algn="l" defTabSz="4389120" rtl="0" eaLnBrk="1" latinLnBrk="0" hangingPunct="1">
-              <a:lnSpc>
-                <a:spcPct val="90000"/>
-              </a:lnSpc>
-              <a:spcBef>
-                <a:spcPts val="2400"/>
-              </a:spcBef>
-              <a:buFont typeface="Arial" panose="020B0604020202020204" pitchFamily="34" charset="0"/>
-              <a:buChar char="•"/>
-              <a:defRPr sz="8640" kern="1200">
-                <a:solidFill>
-                  <a:schemeClr val="tx1"/>
-                </a:solidFill>
-                <a:latin typeface="+mn-lt"/>
-                <a:ea typeface="+mn-ea"/>
-                <a:cs typeface="+mn-cs"/>
-              </a:defRPr>
-            </a:lvl8pPr>
-            <a:lvl9pPr marL="18653760" indent="-1097280" algn="l" defTabSz="4389120" rtl="0" eaLnBrk="1" latinLnBrk="0" hangingPunct="1">
-              <a:lnSpc>
-                <a:spcPct val="90000"/>
-              </a:lnSpc>
-              <a:spcBef>
-                <a:spcPts val="2400"/>
-              </a:spcBef>
-              <a:buFont typeface="Arial" panose="020B0604020202020204" pitchFamily="34" charset="0"/>
-              <a:buChar char="•"/>
-              <a:defRPr sz="8640" kern="1200">
-                <a:solidFill>
-                  <a:schemeClr val="tx1"/>
-                </a:solidFill>
-                <a:latin typeface="+mn-lt"/>
-                <a:ea typeface="+mn-ea"/>
-                <a:cs typeface="+mn-cs"/>
-              </a:defRPr>
-            </a:lvl9pPr>
-          </a:lstStyle>
-          <a:p>
-            <a:pPr marL="0" indent="0" algn="ctr">
+              <a:t>The goal of this work is to develop an empirical model to predict processed based model output for identifying critical source areas of N and P. We aim to extend the workflow to non-GAGES II sites by replicating the GAGES II predictors using open-source data layers. Also, we aim to include predictors not in GAGES II, e.g. hydrograph limb, wastewater treatment plants, and antecedent moisture conditions, to better account for the within-site variability and highlight the between site variability</a:t>
+            </a:r>
+          </a:p>
+          <a:p>
+            <a:pPr marL="0" indent="0" algn="just">
               <a:spcBef>
                 <a:spcPts val="1200"/>
               </a:spcBef>
-              <a:buFont typeface="Arial" panose="020B0604020202020204" pitchFamily="34" charset="0"/>
               <a:buNone/>
             </a:pPr>
             <a:r>
-              <a:rPr lang="en-US" sz="4800" dirty="0"/>
-              <a:t>6) Acknowledgments </a:t>
-            </a:r>
-          </a:p>
-          <a:p>
-            <a:pPr marL="0" indent="0" algn="just">
-              <a:spcBef>
-                <a:spcPts val="1200"/>
-              </a:spcBef>
-              <a:buFont typeface="Arial" panose="020B0604020202020204" pitchFamily="34" charset="0"/>
-              <a:buNone/>
-            </a:pPr>
-            <a:r>
               <a:rPr lang="en-US" sz="2800" dirty="0"/>
-              <a:t>This project is funded by DEC grant XXX. We would like to thank Anthony Prestigiacomo of the DEC for his input throughout the course of this project</a:t>
+              <a:t>This project is funded by the New York State Department of Environmental Conservation (DEC). We would like to thank Anthony Prestigiacomo of the DEC for his input throughout the course of this project.</a:t>
             </a:r>
           </a:p>
         </p:txBody>
@@ -7959,7 +7818,7 @@
             </a:r>
             <a:r>
               <a:rPr lang="en-US" sz="5000" baseline="30000" dirty="0"/>
-              <a:t>1</a:t>
+              <a:t>1*</a:t>
             </a:r>
             <a:r>
               <a:rPr lang="en-US" sz="5000" dirty="0"/>
@@ -8035,8 +7894,8 @@
         </p:nvSpPr>
         <p:spPr>
           <a:xfrm>
-            <a:off x="55941" y="16593834"/>
-            <a:ext cx="14680507" cy="3360822"/>
+            <a:off x="55941" y="16286821"/>
+            <a:ext cx="14556419" cy="3667835"/>
           </a:xfrm>
           <a:prstGeom prst="rect">
             <a:avLst/>
@@ -8233,7 +8092,7 @@
             </a:pPr>
             <a:r>
               <a:rPr lang="en-US" sz="2800" dirty="0"/>
-              <a:t>While extensive analyses of controls on nutrient export have been conducted in places such as the Chesapeake Bay watershed or intensive agricultural regions in the Ohio, there has been little synthesis of nutrient data collected in NYS.  Our goal was to test the following hypotheses:</a:t>
+              <a:t>While extensive analyses of controls on nutrient export have been conducted in places such as the Chesapeake Bay watershed or intensive agricultural regions of the Great Lakes, there has been little synthesis of nutrient data collected in NYS.  Our goal was to test the following hypotheses:</a:t>
             </a:r>
           </a:p>
           <a:p>
@@ -8249,7 +8108,7 @@
             </a:pPr>
             <a:r>
               <a:rPr lang="en-US" sz="2800" dirty="0"/>
-              <a:t>Anthropogenic disturbance in the watershed will contribute to higher nutrient export</a:t>
+              <a:t>Land use associated with anthropogenic disturbance will contribute to higher nutrient export</a:t>
             </a:r>
           </a:p>
           <a:p>
@@ -8265,7 +8124,7 @@
             </a:pPr>
             <a:r>
               <a:rPr lang="en-US" sz="2800" dirty="0"/>
-              <a:t>Nutrient export regime (diluting, mobilizing, stationary) is controlled by land use</a:t>
+              <a:t>Nutrient export regime (diluting, mobilizing, stationary) is not fully controlled by land use</a:t>
             </a:r>
           </a:p>
         </p:txBody>
@@ -8286,8 +8145,8 @@
         </p:nvSpPr>
         <p:spPr>
           <a:xfrm>
-            <a:off x="30052185" y="2861652"/>
-            <a:ext cx="13555330" cy="716732"/>
+            <a:off x="14688853" y="15507255"/>
+            <a:ext cx="14567483" cy="938559"/>
           </a:xfrm>
           <a:prstGeom prst="rect">
             <a:avLst/>
@@ -8295,7 +8154,7 @@
         </p:spPr>
         <p:txBody>
           <a:bodyPr vert="horz" lIns="91440" tIns="45720" rIns="91440" bIns="45720" rtlCol="0">
-            <a:normAutofit lnSpcReduction="10000"/>
+            <a:normAutofit/>
           </a:bodyPr>
           <a:lstStyle>
             <a:lvl1pPr marL="1097280" indent="-1097280" algn="l" defTabSz="4389120" rtl="0" eaLnBrk="1" latinLnBrk="0" hangingPunct="1">
@@ -8522,7 +8381,7 @@
         </p:nvSpPr>
         <p:spPr>
           <a:xfrm>
-            <a:off x="14657153" y="6363170"/>
+            <a:off x="14634549" y="7105663"/>
             <a:ext cx="14624125" cy="3644195"/>
           </a:xfrm>
           <a:prstGeom prst="rect">
@@ -8531,7 +8390,7 @@
         </p:spPr>
         <p:txBody>
           <a:bodyPr vert="horz" lIns="91440" tIns="45720" rIns="91440" bIns="45720" rtlCol="0">
-            <a:normAutofit lnSpcReduction="10000"/>
+            <a:normAutofit/>
           </a:bodyPr>
           <a:lstStyle>
             <a:lvl1pPr marL="1097280" indent="-1097280" algn="l" defTabSz="4389120" rtl="0" eaLnBrk="1" latinLnBrk="0" hangingPunct="1">
@@ -8707,7 +8566,7 @@
             </a:pPr>
             <a:r>
               <a:rPr lang="en-US" sz="2800" dirty="0"/>
-              <a:t>Table 1 - Number of sampling locations in NYS with paired observations of USGS gauged flow and nutrient samples as a function of restrictions. The USGS National Water Information System (NWIS) was queried for 5 constituents, three phosphorus species and 2 nitrogen species. These 5 were chosen because they are common analytes in water quality sampling protocols. Nitrate was excluded from the analysis due to the limited number of site in the final site list used in this study (last column). The USGS Geospatial Attributes of Gages for Evaluating Streamflow (GAGES II) database was used as the source of watershed characteristics for the sites used in this study. The numbers in parentheses in the last column give the number of sites that are in GAGES II and meet the restriction criteria in the first and third column, respectively (i.e. no restrictions on the time of the sample).</a:t>
+              <a:t>Table 1 - Number of sampling locations in NYS with paired observations of USGS gauged discharge and nutrient samples as a function of restrictions. The USGS National Water Information System (NWIS) was queried for 5 constituents, 3 phosphorus species and 2 nitrogen species. These 5 were chosen because they are common analytes in water quality sampling protocols. Nitrate was excluded from subsequent analyses due to the small number of sites. The USGS Geospatial Attributes of Gages for Evaluating Streamflow (GAGES II) database was used as the source of watershed characteristics for the sites used in this study.</a:t>
             </a:r>
           </a:p>
         </p:txBody>
@@ -8729,7 +8588,7 @@
         <p:spPr>
           <a:xfrm>
             <a:off x="106048" y="13518214"/>
-            <a:ext cx="14630400" cy="2965877"/>
+            <a:ext cx="14525191" cy="2965877"/>
           </a:xfrm>
           <a:prstGeom prst="rect">
             <a:avLst/>
@@ -8913,7 +8772,7 @@
             </a:pPr>
             <a:r>
               <a:rPr lang="en-US" sz="2800" dirty="0"/>
-              <a:t>Figure 1 – Conceptual diagrams of C-Q relationships showing the three different nutrient export regimes. A linear regression (blue line) is fit after transforming the data using logarithm base 10. This linear model is used to predict concentration on any day given when flow is known and can be used to estimate average annual nutrient yields. The slope is used to classify the export regime (stationary - slope is not significantly different than zero, dilutionary - slope is significantly different from zero and negative, and mobilization - slope is significantly different from zero and positive), and the intercept predicts the concentration in the river when the flow is equal to zero. </a:t>
+              <a:t>Figure 1 – Conceptual diagrams of CQ relationships showing the three nutrient export regimes; dilution – downward trend (red symbols), mobilization – upward trend (blue symbols), stationary – flat trend (green symbols). A linear regression trend line (blue line) is fit after transforming the data using logarithm base 10. This linear model is used to predict concentration on any given day when discharge is known and can be used to estimate average annual nutrient yields. The intercept of the line indicates the concentration in the river when the discharge is low (baseflow conditions). </a:t>
             </a:r>
           </a:p>
         </p:txBody>
@@ -9167,14 +9026,14 @@
           <p:nvPr>
             <p:extLst>
               <p:ext uri="{D42A27DB-BD31-4B8C-83A1-F6EECF244321}">
-                <p14:modId xmlns:p14="http://schemas.microsoft.com/office/powerpoint/2010/main" val="2682394609"/>
+                <p14:modId xmlns:p14="http://schemas.microsoft.com/office/powerpoint/2010/main" val="665296644"/>
               </p:ext>
             </p:extLst>
           </p:nvPr>
         </p:nvGraphicFramePr>
         <p:xfrm>
-          <a:off x="14690935" y="2990352"/>
-          <a:ext cx="14612786" cy="3644195"/>
+          <a:off x="14690934" y="3849325"/>
+          <a:ext cx="14612786" cy="3192846"/>
         </p:xfrm>
         <a:graphic>
           <a:graphicData uri="http://schemas.openxmlformats.org/drawingml/2006/diagram">
@@ -9182,66 +9041,6 @@
           </a:graphicData>
         </a:graphic>
       </p:graphicFrame>
-      <p:pic>
-        <p:nvPicPr>
-          <p:cNvPr id="31" name="Picture 30">
-            <a:extLst>
-              <a:ext uri="{FF2B5EF4-FFF2-40B4-BE49-F238E27FC236}">
-                <a16:creationId xmlns:a16="http://schemas.microsoft.com/office/drawing/2014/main" id="{890C066A-3F38-A352-87BF-9EB9E379369D}"/>
-              </a:ext>
-            </a:extLst>
-          </p:cNvPr>
-          <p:cNvPicPr>
-            <a:picLocks noChangeAspect="1"/>
-          </p:cNvPicPr>
-          <p:nvPr/>
-        </p:nvPicPr>
-        <p:blipFill>
-          <a:blip r:embed="rId13"/>
-          <a:stretch>
-            <a:fillRect/>
-          </a:stretch>
-        </p:blipFill>
-        <p:spPr>
-          <a:xfrm>
-            <a:off x="14773377" y="17554407"/>
-            <a:ext cx="14381377" cy="11198810"/>
-          </a:xfrm>
-          <a:prstGeom prst="rect">
-            <a:avLst/>
-          </a:prstGeom>
-        </p:spPr>
-      </p:pic>
-      <p:pic>
-        <p:nvPicPr>
-          <p:cNvPr id="33" name="Picture 32">
-            <a:extLst>
-              <a:ext uri="{FF2B5EF4-FFF2-40B4-BE49-F238E27FC236}">
-                <a16:creationId xmlns:a16="http://schemas.microsoft.com/office/drawing/2014/main" id="{3D3CC1FE-6C46-8CB4-02BF-88B43084B36B}"/>
-              </a:ext>
-            </a:extLst>
-          </p:cNvPr>
-          <p:cNvPicPr>
-            <a:picLocks noChangeAspect="1"/>
-          </p:cNvPicPr>
-          <p:nvPr/>
-        </p:nvPicPr>
-        <p:blipFill>
-          <a:blip r:embed="rId14"/>
-          <a:stretch>
-            <a:fillRect/>
-          </a:stretch>
-        </p:blipFill>
-        <p:spPr>
-          <a:xfrm>
-            <a:off x="14702279" y="9847057"/>
-            <a:ext cx="14624125" cy="7076558"/>
-          </a:xfrm>
-          <a:prstGeom prst="rect">
-            <a:avLst/>
-          </a:prstGeom>
-        </p:spPr>
-      </p:pic>
       <p:sp>
         <p:nvSpPr>
           <p:cNvPr id="35" name="Rectangle 34">
@@ -9412,7 +9211,7 @@
         </p:nvSpPr>
         <p:spPr>
           <a:xfrm>
-            <a:off x="531098" y="18596494"/>
+            <a:off x="540740" y="18404121"/>
             <a:ext cx="736227" cy="523220"/>
           </a:xfrm>
           <a:prstGeom prst="rect">
@@ -9488,8 +9287,8 @@
         </p:nvSpPr>
         <p:spPr>
           <a:xfrm>
-            <a:off x="29339567" y="16221859"/>
-            <a:ext cx="14538469" cy="2246482"/>
+            <a:off x="29296791" y="16552371"/>
+            <a:ext cx="14453182" cy="2620995"/>
           </a:xfrm>
           <a:prstGeom prst="rect">
             <a:avLst/>
@@ -9673,7 +9472,15 @@
             </a:pPr>
             <a:r>
               <a:rPr lang="en-US" sz="2800" dirty="0"/>
-              <a:t>Table 3 – Estimates of the parameters and coefficient of the multiple linear regression (MLR) models fit to C-Q intercept and average annual nutrient yield (AANY) for each constituent. The predictors come from the GAGES II database and were selected to be included in the MLR models using forward selection and a maximum number of predictors of 5. Only the significant (p&lt;0.05) parameters/predictors are displayed. TN AANY was the only model with positive coefficient estimates for land uses associated with anthropogenic disturbance (H1).</a:t>
+              <a:t>Table 2 – Estimates of the parameters and coefficients of the multiple linear regression models fit to CQ intercept and average annual nutrient yields (AANY) for each constituent. </a:t>
+            </a:r>
+            <a:r>
+              <a:rPr lang="en-US" sz="2800" b="1" dirty="0"/>
+              <a:t>TN AANY was the only model with positive coefficient estimates for land uses associated with anthropogenic disturbance. However, TP intercept was found to be inversely related to elevation; initial analysis suggests elevation is related to land use (e.g. sites with higher elevation are usually more forested and therefore have less disturbance)</a:t>
+            </a:r>
+            <a:r>
+              <a:rPr lang="en-US" sz="2800" dirty="0"/>
+              <a:t> (H1). The predictors are from the GAGES II database. </a:t>
             </a:r>
           </a:p>
         </p:txBody>
@@ -9693,14 +9500,14 @@
           <p:nvPr/>
         </p:nvPicPr>
         <p:blipFill rotWithShape="1">
-          <a:blip r:embed="rId15"/>
+          <a:blip r:embed="rId13"/>
           <a:srcRect t="1170"/>
           <a:stretch/>
         </p:blipFill>
         <p:spPr>
           <a:xfrm>
-            <a:off x="29303721" y="18403318"/>
-            <a:ext cx="14563104" cy="7845120"/>
+            <a:off x="44434261" y="20484044"/>
+            <a:ext cx="14462552" cy="7790953"/>
           </a:xfrm>
           <a:prstGeom prst="rect">
             <a:avLst/>
@@ -9722,14 +9529,14 @@
           <p:nvPr/>
         </p:nvPicPr>
         <p:blipFill>
-          <a:blip r:embed="rId16"/>
+          <a:blip r:embed="rId14"/>
           <a:stretch>
             <a:fillRect/>
           </a:stretch>
         </p:blipFill>
         <p:spPr>
           <a:xfrm>
-            <a:off x="169416" y="20127904"/>
+            <a:off x="46410" y="20127904"/>
             <a:ext cx="14526801" cy="9835518"/>
           </a:xfrm>
           <a:prstGeom prst="rect">
@@ -9803,12 +9610,681 @@
             </a:r>
             <a:r>
               <a:rPr lang="en-US" sz="3600" dirty="0"/>
-              <a:t>Syracuse University Department of Civil and Environmental Engineering</a:t>
+              <a:t>Syracuse University Department of Civil and Environmental Engineering </a:t>
+            </a:r>
+            <a:r>
+              <a:rPr lang="en-US" sz="3600" baseline="30000" dirty="0"/>
+              <a:t>*</a:t>
+            </a:r>
+            <a:r>
+              <a:rPr lang="en-US" sz="3600" dirty="0"/>
+              <a:t>Corresponding Author: raruggie@syr.edu</a:t>
             </a:r>
             <a:endParaRPr lang="en-US" sz="3600" baseline="30000" dirty="0"/>
           </a:p>
         </p:txBody>
       </p:sp>
+      <p:pic>
+        <p:nvPicPr>
+          <p:cNvPr id="11" name="Picture 10">
+            <a:extLst>
+              <a:ext uri="{FF2B5EF4-FFF2-40B4-BE49-F238E27FC236}">
+                <a16:creationId xmlns:a16="http://schemas.microsoft.com/office/drawing/2014/main" id="{EEA7AC8C-F557-6B82-B9FA-A1EC29EE0723}"/>
+              </a:ext>
+            </a:extLst>
+          </p:cNvPr>
+          <p:cNvPicPr>
+            <a:picLocks noChangeAspect="1"/>
+          </p:cNvPicPr>
+          <p:nvPr/>
+        </p:nvPicPr>
+        <p:blipFill>
+          <a:blip r:embed="rId15"/>
+          <a:stretch>
+            <a:fillRect/>
+          </a:stretch>
+        </p:blipFill>
+        <p:spPr>
+          <a:xfrm>
+            <a:off x="29378979" y="3725750"/>
+            <a:ext cx="14398349" cy="10654533"/>
+          </a:xfrm>
+          <a:prstGeom prst="rect">
+            <a:avLst/>
+          </a:prstGeom>
+        </p:spPr>
+      </p:pic>
+      <p:pic>
+        <p:nvPicPr>
+          <p:cNvPr id="9" name="Picture 8">
+            <a:extLst>
+              <a:ext uri="{FF2B5EF4-FFF2-40B4-BE49-F238E27FC236}">
+                <a16:creationId xmlns:a16="http://schemas.microsoft.com/office/drawing/2014/main" id="{B6CD1F3B-1C61-6D77-7F53-21ED52D99B93}"/>
+              </a:ext>
+            </a:extLst>
+          </p:cNvPr>
+          <p:cNvPicPr>
+            <a:picLocks noChangeAspect="1"/>
+          </p:cNvPicPr>
+          <p:nvPr/>
+        </p:nvPicPr>
+        <p:blipFill>
+          <a:blip r:embed="rId16"/>
+          <a:stretch>
+            <a:fillRect/>
+          </a:stretch>
+        </p:blipFill>
+        <p:spPr>
+          <a:xfrm>
+            <a:off x="14751733" y="16462104"/>
+            <a:ext cx="14404911" cy="12273186"/>
+          </a:xfrm>
+          <a:prstGeom prst="rect">
+            <a:avLst/>
+          </a:prstGeom>
+        </p:spPr>
+      </p:pic>
+      <p:sp>
+        <p:nvSpPr>
+          <p:cNvPr id="10" name="Content Placeholder 2">
+            <a:extLst>
+              <a:ext uri="{FF2B5EF4-FFF2-40B4-BE49-F238E27FC236}">
+                <a16:creationId xmlns:a16="http://schemas.microsoft.com/office/drawing/2014/main" id="{ED748AC0-69E8-EB2D-A904-3DD786B14154}"/>
+              </a:ext>
+            </a:extLst>
+          </p:cNvPr>
+          <p:cNvSpPr txBox="1">
+            <a:spLocks/>
+          </p:cNvSpPr>
+          <p:nvPr/>
+        </p:nvSpPr>
+        <p:spPr>
+          <a:xfrm>
+            <a:off x="14656380" y="3599584"/>
+            <a:ext cx="14624125" cy="592349"/>
+          </a:xfrm>
+          <a:prstGeom prst="rect">
+            <a:avLst/>
+          </a:prstGeom>
+        </p:spPr>
+        <p:txBody>
+          <a:bodyPr vert="horz" lIns="91440" tIns="45720" rIns="91440" bIns="45720" rtlCol="0">
+            <a:normAutofit/>
+          </a:bodyPr>
+          <a:lstStyle>
+            <a:lvl1pPr marL="1097280" indent="-1097280" algn="l" defTabSz="4389120" rtl="0" eaLnBrk="1" latinLnBrk="0" hangingPunct="1">
+              <a:lnSpc>
+                <a:spcPct val="90000"/>
+              </a:lnSpc>
+              <a:spcBef>
+                <a:spcPts val="4800"/>
+              </a:spcBef>
+              <a:buFont typeface="Arial" panose="020B0604020202020204" pitchFamily="34" charset="0"/>
+              <a:buChar char="•"/>
+              <a:defRPr sz="13440" kern="1200">
+                <a:solidFill>
+                  <a:schemeClr val="tx1"/>
+                </a:solidFill>
+                <a:latin typeface="+mn-lt"/>
+                <a:ea typeface="+mn-ea"/>
+                <a:cs typeface="+mn-cs"/>
+              </a:defRPr>
+            </a:lvl1pPr>
+            <a:lvl2pPr marL="3291840" indent="-1097280" algn="l" defTabSz="4389120" rtl="0" eaLnBrk="1" latinLnBrk="0" hangingPunct="1">
+              <a:lnSpc>
+                <a:spcPct val="90000"/>
+              </a:lnSpc>
+              <a:spcBef>
+                <a:spcPts val="2400"/>
+              </a:spcBef>
+              <a:buFont typeface="Arial" panose="020B0604020202020204" pitchFamily="34" charset="0"/>
+              <a:buChar char="•"/>
+              <a:defRPr sz="11520" kern="1200">
+                <a:solidFill>
+                  <a:schemeClr val="tx1"/>
+                </a:solidFill>
+                <a:latin typeface="+mn-lt"/>
+                <a:ea typeface="+mn-ea"/>
+                <a:cs typeface="+mn-cs"/>
+              </a:defRPr>
+            </a:lvl2pPr>
+            <a:lvl3pPr marL="5486400" indent="-1097280" algn="l" defTabSz="4389120" rtl="0" eaLnBrk="1" latinLnBrk="0" hangingPunct="1">
+              <a:lnSpc>
+                <a:spcPct val="90000"/>
+              </a:lnSpc>
+              <a:spcBef>
+                <a:spcPts val="2400"/>
+              </a:spcBef>
+              <a:buFont typeface="Arial" panose="020B0604020202020204" pitchFamily="34" charset="0"/>
+              <a:buChar char="•"/>
+              <a:defRPr sz="9600" kern="1200">
+                <a:solidFill>
+                  <a:schemeClr val="tx1"/>
+                </a:solidFill>
+                <a:latin typeface="+mn-lt"/>
+                <a:ea typeface="+mn-ea"/>
+                <a:cs typeface="+mn-cs"/>
+              </a:defRPr>
+            </a:lvl3pPr>
+            <a:lvl4pPr marL="7680960" indent="-1097280" algn="l" defTabSz="4389120" rtl="0" eaLnBrk="1" latinLnBrk="0" hangingPunct="1">
+              <a:lnSpc>
+                <a:spcPct val="90000"/>
+              </a:lnSpc>
+              <a:spcBef>
+                <a:spcPts val="2400"/>
+              </a:spcBef>
+              <a:buFont typeface="Arial" panose="020B0604020202020204" pitchFamily="34" charset="0"/>
+              <a:buChar char="•"/>
+              <a:defRPr sz="8640" kern="1200">
+                <a:solidFill>
+                  <a:schemeClr val="tx1"/>
+                </a:solidFill>
+                <a:latin typeface="+mn-lt"/>
+                <a:ea typeface="+mn-ea"/>
+                <a:cs typeface="+mn-cs"/>
+              </a:defRPr>
+            </a:lvl4pPr>
+            <a:lvl5pPr marL="9875520" indent="-1097280" algn="l" defTabSz="4389120" rtl="0" eaLnBrk="1" latinLnBrk="0" hangingPunct="1">
+              <a:lnSpc>
+                <a:spcPct val="90000"/>
+              </a:lnSpc>
+              <a:spcBef>
+                <a:spcPts val="2400"/>
+              </a:spcBef>
+              <a:buFont typeface="Arial" panose="020B0604020202020204" pitchFamily="34" charset="0"/>
+              <a:buChar char="•"/>
+              <a:defRPr sz="8640" kern="1200">
+                <a:solidFill>
+                  <a:schemeClr val="tx1"/>
+                </a:solidFill>
+                <a:latin typeface="+mn-lt"/>
+                <a:ea typeface="+mn-ea"/>
+                <a:cs typeface="+mn-cs"/>
+              </a:defRPr>
+            </a:lvl5pPr>
+            <a:lvl6pPr marL="12070080" indent="-1097280" algn="l" defTabSz="4389120" rtl="0" eaLnBrk="1" latinLnBrk="0" hangingPunct="1">
+              <a:lnSpc>
+                <a:spcPct val="90000"/>
+              </a:lnSpc>
+              <a:spcBef>
+                <a:spcPts val="2400"/>
+              </a:spcBef>
+              <a:buFont typeface="Arial" panose="020B0604020202020204" pitchFamily="34" charset="0"/>
+              <a:buChar char="•"/>
+              <a:defRPr sz="8640" kern="1200">
+                <a:solidFill>
+                  <a:schemeClr val="tx1"/>
+                </a:solidFill>
+                <a:latin typeface="+mn-lt"/>
+                <a:ea typeface="+mn-ea"/>
+                <a:cs typeface="+mn-cs"/>
+              </a:defRPr>
+            </a:lvl6pPr>
+            <a:lvl7pPr marL="14264640" indent="-1097280" algn="l" defTabSz="4389120" rtl="0" eaLnBrk="1" latinLnBrk="0" hangingPunct="1">
+              <a:lnSpc>
+                <a:spcPct val="90000"/>
+              </a:lnSpc>
+              <a:spcBef>
+                <a:spcPts val="2400"/>
+              </a:spcBef>
+              <a:buFont typeface="Arial" panose="020B0604020202020204" pitchFamily="34" charset="0"/>
+              <a:buChar char="•"/>
+              <a:defRPr sz="8640" kern="1200">
+                <a:solidFill>
+                  <a:schemeClr val="tx1"/>
+                </a:solidFill>
+                <a:latin typeface="+mn-lt"/>
+                <a:ea typeface="+mn-ea"/>
+                <a:cs typeface="+mn-cs"/>
+              </a:defRPr>
+            </a:lvl7pPr>
+            <a:lvl8pPr marL="16459200" indent="-1097280" algn="l" defTabSz="4389120" rtl="0" eaLnBrk="1" latinLnBrk="0" hangingPunct="1">
+              <a:lnSpc>
+                <a:spcPct val="90000"/>
+              </a:lnSpc>
+              <a:spcBef>
+                <a:spcPts val="2400"/>
+              </a:spcBef>
+              <a:buFont typeface="Arial" panose="020B0604020202020204" pitchFamily="34" charset="0"/>
+              <a:buChar char="•"/>
+              <a:defRPr sz="8640" kern="1200">
+                <a:solidFill>
+                  <a:schemeClr val="tx1"/>
+                </a:solidFill>
+                <a:latin typeface="+mn-lt"/>
+                <a:ea typeface="+mn-ea"/>
+                <a:cs typeface="+mn-cs"/>
+              </a:defRPr>
+            </a:lvl8pPr>
+            <a:lvl9pPr marL="18653760" indent="-1097280" algn="l" defTabSz="4389120" rtl="0" eaLnBrk="1" latinLnBrk="0" hangingPunct="1">
+              <a:lnSpc>
+                <a:spcPct val="90000"/>
+              </a:lnSpc>
+              <a:spcBef>
+                <a:spcPts val="2400"/>
+              </a:spcBef>
+              <a:buFont typeface="Arial" panose="020B0604020202020204" pitchFamily="34" charset="0"/>
+              <a:buChar char="•"/>
+              <a:defRPr sz="8640" kern="1200">
+                <a:solidFill>
+                  <a:schemeClr val="tx1"/>
+                </a:solidFill>
+                <a:latin typeface="+mn-lt"/>
+                <a:ea typeface="+mn-ea"/>
+                <a:cs typeface="+mn-cs"/>
+              </a:defRPr>
+            </a:lvl9pPr>
+          </a:lstStyle>
+          <a:p>
+            <a:pPr marL="0" indent="0" algn="just">
+              <a:spcBef>
+                <a:spcPts val="1200"/>
+              </a:spcBef>
+              <a:buFont typeface="Arial" panose="020B0604020202020204" pitchFamily="34" charset="0"/>
+              <a:buNone/>
+            </a:pPr>
+            <a:r>
+              <a:rPr lang="en-US" sz="2800" dirty="0"/>
+              <a:t>The sequence of analysis for this study consists of three main steps:</a:t>
+            </a:r>
+          </a:p>
+        </p:txBody>
+      </p:sp>
+      <p:sp>
+        <p:nvSpPr>
+          <p:cNvPr id="12" name="TextBox 11">
+            <a:extLst>
+              <a:ext uri="{FF2B5EF4-FFF2-40B4-BE49-F238E27FC236}">
+                <a16:creationId xmlns:a16="http://schemas.microsoft.com/office/drawing/2014/main" id="{4F51BDAF-CC1D-C745-4D3A-3D2EF2227D17}"/>
+              </a:ext>
+            </a:extLst>
+          </p:cNvPr>
+          <p:cNvSpPr txBox="1"/>
+          <p:nvPr/>
+        </p:nvSpPr>
+        <p:spPr>
+          <a:xfrm>
+            <a:off x="21095026" y="19693046"/>
+            <a:ext cx="2524835" cy="523220"/>
+          </a:xfrm>
+          <a:prstGeom prst="rect">
+            <a:avLst/>
+          </a:prstGeom>
+          <a:solidFill>
+            <a:schemeClr val="bg1"/>
+          </a:solidFill>
+          <a:ln>
+            <a:solidFill>
+              <a:schemeClr val="tx1"/>
+            </a:solidFill>
+          </a:ln>
+        </p:spPr>
+        <p:txBody>
+          <a:bodyPr wrap="square" rtlCol="0">
+            <a:spAutoFit/>
+          </a:bodyPr>
+          <a:lstStyle/>
+          <a:p>
+            <a:pPr algn="ctr"/>
+            <a:r>
+              <a:rPr lang="en-US" sz="2800" dirty="0"/>
+              <a:t>Undeveloped</a:t>
+            </a:r>
+          </a:p>
+        </p:txBody>
+      </p:sp>
+      <p:pic>
+        <p:nvPicPr>
+          <p:cNvPr id="24" name="Picture 23">
+            <a:extLst>
+              <a:ext uri="{FF2B5EF4-FFF2-40B4-BE49-F238E27FC236}">
+                <a16:creationId xmlns:a16="http://schemas.microsoft.com/office/drawing/2014/main" id="{7D6E5533-26EA-D9D3-1EF5-31C2ED24E681}"/>
+              </a:ext>
+            </a:extLst>
+          </p:cNvPr>
+          <p:cNvPicPr>
+            <a:picLocks noChangeAspect="1"/>
+          </p:cNvPicPr>
+          <p:nvPr/>
+        </p:nvPicPr>
+        <p:blipFill>
+          <a:blip r:embed="rId17"/>
+          <a:stretch>
+            <a:fillRect/>
+          </a:stretch>
+        </p:blipFill>
+        <p:spPr>
+          <a:xfrm>
+            <a:off x="14706550" y="9820264"/>
+            <a:ext cx="14567483" cy="5159656"/>
+          </a:xfrm>
+          <a:prstGeom prst="rect">
+            <a:avLst/>
+          </a:prstGeom>
+        </p:spPr>
+      </p:pic>
+      <p:sp>
+        <p:nvSpPr>
+          <p:cNvPr id="29" name="Content Placeholder 2">
+            <a:extLst>
+              <a:ext uri="{FF2B5EF4-FFF2-40B4-BE49-F238E27FC236}">
+                <a16:creationId xmlns:a16="http://schemas.microsoft.com/office/drawing/2014/main" id="{B6A50C47-A1B9-323F-AFA8-5B627290011B}"/>
+              </a:ext>
+            </a:extLst>
+          </p:cNvPr>
+          <p:cNvSpPr txBox="1">
+            <a:spLocks/>
+          </p:cNvSpPr>
+          <p:nvPr/>
+        </p:nvSpPr>
+        <p:spPr>
+          <a:xfrm>
+            <a:off x="30204585" y="3014052"/>
+            <a:ext cx="13555330" cy="716732"/>
+          </a:xfrm>
+          <a:prstGeom prst="rect">
+            <a:avLst/>
+          </a:prstGeom>
+        </p:spPr>
+        <p:txBody>
+          <a:bodyPr vert="horz" lIns="91440" tIns="45720" rIns="91440" bIns="45720" rtlCol="0">
+            <a:normAutofit lnSpcReduction="10000"/>
+          </a:bodyPr>
+          <a:lstStyle>
+            <a:lvl1pPr marL="1097280" indent="-1097280" algn="l" defTabSz="4389120" rtl="0" eaLnBrk="1" latinLnBrk="0" hangingPunct="1">
+              <a:lnSpc>
+                <a:spcPct val="90000"/>
+              </a:lnSpc>
+              <a:spcBef>
+                <a:spcPts val="4800"/>
+              </a:spcBef>
+              <a:buFont typeface="Arial" panose="020B0604020202020204" pitchFamily="34" charset="0"/>
+              <a:buChar char="•"/>
+              <a:defRPr sz="13440" kern="1200">
+                <a:solidFill>
+                  <a:schemeClr val="tx1"/>
+                </a:solidFill>
+                <a:latin typeface="+mn-lt"/>
+                <a:ea typeface="+mn-ea"/>
+                <a:cs typeface="+mn-cs"/>
+              </a:defRPr>
+            </a:lvl1pPr>
+            <a:lvl2pPr marL="3291840" indent="-1097280" algn="l" defTabSz="4389120" rtl="0" eaLnBrk="1" latinLnBrk="0" hangingPunct="1">
+              <a:lnSpc>
+                <a:spcPct val="90000"/>
+              </a:lnSpc>
+              <a:spcBef>
+                <a:spcPts val="2400"/>
+              </a:spcBef>
+              <a:buFont typeface="Arial" panose="020B0604020202020204" pitchFamily="34" charset="0"/>
+              <a:buChar char="•"/>
+              <a:defRPr sz="11520" kern="1200">
+                <a:solidFill>
+                  <a:schemeClr val="tx1"/>
+                </a:solidFill>
+                <a:latin typeface="+mn-lt"/>
+                <a:ea typeface="+mn-ea"/>
+                <a:cs typeface="+mn-cs"/>
+              </a:defRPr>
+            </a:lvl2pPr>
+            <a:lvl3pPr marL="5486400" indent="-1097280" algn="l" defTabSz="4389120" rtl="0" eaLnBrk="1" latinLnBrk="0" hangingPunct="1">
+              <a:lnSpc>
+                <a:spcPct val="90000"/>
+              </a:lnSpc>
+              <a:spcBef>
+                <a:spcPts val="2400"/>
+              </a:spcBef>
+              <a:buFont typeface="Arial" panose="020B0604020202020204" pitchFamily="34" charset="0"/>
+              <a:buChar char="•"/>
+              <a:defRPr sz="9600" kern="1200">
+                <a:solidFill>
+                  <a:schemeClr val="tx1"/>
+                </a:solidFill>
+                <a:latin typeface="+mn-lt"/>
+                <a:ea typeface="+mn-ea"/>
+                <a:cs typeface="+mn-cs"/>
+              </a:defRPr>
+            </a:lvl3pPr>
+            <a:lvl4pPr marL="7680960" indent="-1097280" algn="l" defTabSz="4389120" rtl="0" eaLnBrk="1" latinLnBrk="0" hangingPunct="1">
+              <a:lnSpc>
+                <a:spcPct val="90000"/>
+              </a:lnSpc>
+              <a:spcBef>
+                <a:spcPts val="2400"/>
+              </a:spcBef>
+              <a:buFont typeface="Arial" panose="020B0604020202020204" pitchFamily="34" charset="0"/>
+              <a:buChar char="•"/>
+              <a:defRPr sz="8640" kern="1200">
+                <a:solidFill>
+                  <a:schemeClr val="tx1"/>
+                </a:solidFill>
+                <a:latin typeface="+mn-lt"/>
+                <a:ea typeface="+mn-ea"/>
+                <a:cs typeface="+mn-cs"/>
+              </a:defRPr>
+            </a:lvl4pPr>
+            <a:lvl5pPr marL="9875520" indent="-1097280" algn="l" defTabSz="4389120" rtl="0" eaLnBrk="1" latinLnBrk="0" hangingPunct="1">
+              <a:lnSpc>
+                <a:spcPct val="90000"/>
+              </a:lnSpc>
+              <a:spcBef>
+                <a:spcPts val="2400"/>
+              </a:spcBef>
+              <a:buFont typeface="Arial" panose="020B0604020202020204" pitchFamily="34" charset="0"/>
+              <a:buChar char="•"/>
+              <a:defRPr sz="8640" kern="1200">
+                <a:solidFill>
+                  <a:schemeClr val="tx1"/>
+                </a:solidFill>
+                <a:latin typeface="+mn-lt"/>
+                <a:ea typeface="+mn-ea"/>
+                <a:cs typeface="+mn-cs"/>
+              </a:defRPr>
+            </a:lvl5pPr>
+            <a:lvl6pPr marL="12070080" indent="-1097280" algn="l" defTabSz="4389120" rtl="0" eaLnBrk="1" latinLnBrk="0" hangingPunct="1">
+              <a:lnSpc>
+                <a:spcPct val="90000"/>
+              </a:lnSpc>
+              <a:spcBef>
+                <a:spcPts val="2400"/>
+              </a:spcBef>
+              <a:buFont typeface="Arial" panose="020B0604020202020204" pitchFamily="34" charset="0"/>
+              <a:buChar char="•"/>
+              <a:defRPr sz="8640" kern="1200">
+                <a:solidFill>
+                  <a:schemeClr val="tx1"/>
+                </a:solidFill>
+                <a:latin typeface="+mn-lt"/>
+                <a:ea typeface="+mn-ea"/>
+                <a:cs typeface="+mn-cs"/>
+              </a:defRPr>
+            </a:lvl6pPr>
+            <a:lvl7pPr marL="14264640" indent="-1097280" algn="l" defTabSz="4389120" rtl="0" eaLnBrk="1" latinLnBrk="0" hangingPunct="1">
+              <a:lnSpc>
+                <a:spcPct val="90000"/>
+              </a:lnSpc>
+              <a:spcBef>
+                <a:spcPts val="2400"/>
+              </a:spcBef>
+              <a:buFont typeface="Arial" panose="020B0604020202020204" pitchFamily="34" charset="0"/>
+              <a:buChar char="•"/>
+              <a:defRPr sz="8640" kern="1200">
+                <a:solidFill>
+                  <a:schemeClr val="tx1"/>
+                </a:solidFill>
+                <a:latin typeface="+mn-lt"/>
+                <a:ea typeface="+mn-ea"/>
+                <a:cs typeface="+mn-cs"/>
+              </a:defRPr>
+            </a:lvl7pPr>
+            <a:lvl8pPr marL="16459200" indent="-1097280" algn="l" defTabSz="4389120" rtl="0" eaLnBrk="1" latinLnBrk="0" hangingPunct="1">
+              <a:lnSpc>
+                <a:spcPct val="90000"/>
+              </a:lnSpc>
+              <a:spcBef>
+                <a:spcPts val="2400"/>
+              </a:spcBef>
+              <a:buFont typeface="Arial" panose="020B0604020202020204" pitchFamily="34" charset="0"/>
+              <a:buChar char="•"/>
+              <a:defRPr sz="8640" kern="1200">
+                <a:solidFill>
+                  <a:schemeClr val="tx1"/>
+                </a:solidFill>
+                <a:latin typeface="+mn-lt"/>
+                <a:ea typeface="+mn-ea"/>
+                <a:cs typeface="+mn-cs"/>
+              </a:defRPr>
+            </a:lvl8pPr>
+            <a:lvl9pPr marL="18653760" indent="-1097280" algn="l" defTabSz="4389120" rtl="0" eaLnBrk="1" latinLnBrk="0" hangingPunct="1">
+              <a:lnSpc>
+                <a:spcPct val="90000"/>
+              </a:lnSpc>
+              <a:spcBef>
+                <a:spcPts val="2400"/>
+              </a:spcBef>
+              <a:buFont typeface="Arial" panose="020B0604020202020204" pitchFamily="34" charset="0"/>
+              <a:buChar char="•"/>
+              <a:defRPr sz="8640" kern="1200">
+                <a:solidFill>
+                  <a:schemeClr val="tx1"/>
+                </a:solidFill>
+                <a:latin typeface="+mn-lt"/>
+                <a:ea typeface="+mn-ea"/>
+                <a:cs typeface="+mn-cs"/>
+              </a:defRPr>
+            </a:lvl9pPr>
+          </a:lstStyle>
+          <a:p>
+            <a:pPr marL="0" indent="0" algn="ctr">
+              <a:spcBef>
+                <a:spcPts val="1200"/>
+              </a:spcBef>
+              <a:buFont typeface="Arial" panose="020B0604020202020204" pitchFamily="34" charset="0"/>
+              <a:buNone/>
+            </a:pPr>
+            <a:r>
+              <a:rPr lang="en-US" sz="4800" dirty="0"/>
+              <a:t>4) Results (cont.) </a:t>
+            </a:r>
+          </a:p>
+        </p:txBody>
+      </p:sp>
+      <p:sp>
+        <p:nvSpPr>
+          <p:cNvPr id="32" name="TextBox 31">
+            <a:extLst>
+              <a:ext uri="{FF2B5EF4-FFF2-40B4-BE49-F238E27FC236}">
+                <a16:creationId xmlns:a16="http://schemas.microsoft.com/office/drawing/2014/main" id="{E90AF4CA-CE71-318E-A1FC-7D5323691807}"/>
+              </a:ext>
+            </a:extLst>
+          </p:cNvPr>
+          <p:cNvSpPr txBox="1"/>
+          <p:nvPr/>
+        </p:nvSpPr>
+        <p:spPr>
+          <a:xfrm>
+            <a:off x="21095026" y="23386609"/>
+            <a:ext cx="2524835" cy="523220"/>
+          </a:xfrm>
+          <a:prstGeom prst="rect">
+            <a:avLst/>
+          </a:prstGeom>
+          <a:solidFill>
+            <a:schemeClr val="bg1"/>
+          </a:solidFill>
+          <a:ln>
+            <a:solidFill>
+              <a:schemeClr val="tx1"/>
+            </a:solidFill>
+          </a:ln>
+        </p:spPr>
+        <p:txBody>
+          <a:bodyPr wrap="square" rtlCol="0">
+            <a:spAutoFit/>
+          </a:bodyPr>
+          <a:lstStyle/>
+          <a:p>
+            <a:pPr algn="ctr"/>
+            <a:r>
+              <a:rPr lang="en-US" sz="2800" dirty="0"/>
+              <a:t>Mixed</a:t>
+            </a:r>
+          </a:p>
+        </p:txBody>
+      </p:sp>
+      <p:sp>
+        <p:nvSpPr>
+          <p:cNvPr id="34" name="TextBox 33">
+            <a:extLst>
+              <a:ext uri="{FF2B5EF4-FFF2-40B4-BE49-F238E27FC236}">
+                <a16:creationId xmlns:a16="http://schemas.microsoft.com/office/drawing/2014/main" id="{15972411-02F8-D8A6-E50E-8F16977C73EB}"/>
+              </a:ext>
+            </a:extLst>
+          </p:cNvPr>
+          <p:cNvSpPr txBox="1"/>
+          <p:nvPr/>
+        </p:nvSpPr>
+        <p:spPr>
+          <a:xfrm>
+            <a:off x="21095026" y="27080172"/>
+            <a:ext cx="2524835" cy="523220"/>
+          </a:xfrm>
+          <a:prstGeom prst="rect">
+            <a:avLst/>
+          </a:prstGeom>
+          <a:solidFill>
+            <a:schemeClr val="bg1"/>
+          </a:solidFill>
+          <a:ln>
+            <a:solidFill>
+              <a:schemeClr val="tx1"/>
+            </a:solidFill>
+          </a:ln>
+        </p:spPr>
+        <p:txBody>
+          <a:bodyPr wrap="square" rtlCol="0">
+            <a:spAutoFit/>
+          </a:bodyPr>
+          <a:lstStyle/>
+          <a:p>
+            <a:pPr algn="ctr"/>
+            <a:r>
+              <a:rPr lang="en-US" sz="2800" dirty="0"/>
+              <a:t>Agriculture</a:t>
+            </a:r>
+          </a:p>
+        </p:txBody>
+      </p:sp>
+      <p:pic>
+        <p:nvPicPr>
+          <p:cNvPr id="39" name="Picture 38">
+            <a:extLst>
+              <a:ext uri="{FF2B5EF4-FFF2-40B4-BE49-F238E27FC236}">
+                <a16:creationId xmlns:a16="http://schemas.microsoft.com/office/drawing/2014/main" id="{B4AF63F3-2A71-745C-138C-5355CB507868}"/>
+              </a:ext>
+            </a:extLst>
+          </p:cNvPr>
+          <p:cNvPicPr>
+            <a:picLocks noChangeAspect="1"/>
+          </p:cNvPicPr>
+          <p:nvPr/>
+        </p:nvPicPr>
+        <p:blipFill>
+          <a:blip r:embed="rId18"/>
+          <a:stretch>
+            <a:fillRect/>
+          </a:stretch>
+        </p:blipFill>
+        <p:spPr>
+          <a:xfrm>
+            <a:off x="29378979" y="19000628"/>
+            <a:ext cx="14059013" cy="7699281"/>
+          </a:xfrm>
+          <a:prstGeom prst="rect">
+            <a:avLst/>
+          </a:prstGeom>
+        </p:spPr>
+      </p:pic>
     </p:spTree>
     <p:extLst>
       <p:ext uri="{BB962C8B-B14F-4D97-AF65-F5344CB8AC3E}">
